--- a/과제PPT/기업업무 4강.pptx
+++ b/과제PPT/기업업무 4강.pptx
@@ -15,9 +15,6 @@
     <p:sldId id="290" r:id="rId9"/>
     <p:sldId id="291" r:id="rId10"/>
     <p:sldId id="292" r:id="rId11"/>
-    <p:sldId id="284" r:id="rId12"/>
-    <p:sldId id="263" r:id="rId13"/>
-    <p:sldId id="285" r:id="rId14"/>
   </p:sldIdLst>
   <p:sldSz cx="12192000" cy="6858000"/>
   <p:notesSz cx="6858000" cy="9144000"/>
@@ -336,7 +333,7 @@
             <a:fld id="{96DFF08F-DC6B-4601-B491-B0F83F6DD2DA}" type="datetimeFigureOut">
               <a:rPr lang="en-US" dirty="0"/>
               <a:pPr/>
-              <a:t>5/20/2023</a:t>
+              <a:t>5/21/2023</a:t>
             </a:fld>
             <a:endParaRPr lang="en-US" dirty="0"/>
           </a:p>
@@ -553,7 +550,7 @@
           <a:p>
             <a:fld id="{96DFF08F-DC6B-4601-B491-B0F83F6DD2DA}" type="datetimeFigureOut">
               <a:rPr lang="en-US" dirty="0"/>
-              <a:t>5/20/2023</a:t>
+              <a:t>5/21/2023</a:t>
             </a:fld>
             <a:endParaRPr lang="en-US" dirty="0"/>
           </a:p>
@@ -728,7 +725,7 @@
           <a:p>
             <a:fld id="{96DFF08F-DC6B-4601-B491-B0F83F6DD2DA}" type="datetimeFigureOut">
               <a:rPr lang="en-US" dirty="0"/>
-              <a:t>5/20/2023</a:t>
+              <a:t>5/21/2023</a:t>
             </a:fld>
             <a:endParaRPr lang="en-US" dirty="0"/>
           </a:p>
@@ -893,7 +890,7 @@
           <a:p>
             <a:fld id="{96DFF08F-DC6B-4601-B491-B0F83F6DD2DA}" type="datetimeFigureOut">
               <a:rPr lang="en-US" dirty="0"/>
-              <a:t>5/20/2023</a:t>
+              <a:t>5/21/2023</a:t>
             </a:fld>
             <a:endParaRPr lang="en-US" dirty="0"/>
           </a:p>
@@ -1162,7 +1159,7 @@
           <a:p>
             <a:fld id="{96DFF08F-DC6B-4601-B491-B0F83F6DD2DA}" type="datetimeFigureOut">
               <a:rPr lang="en-US" dirty="0"/>
-              <a:t>5/20/2023</a:t>
+              <a:t>5/21/2023</a:t>
             </a:fld>
             <a:endParaRPr lang="en-US" dirty="0"/>
           </a:p>
@@ -1480,7 +1477,7 @@
           <a:p>
             <a:fld id="{96DFF08F-DC6B-4601-B491-B0F83F6DD2DA}" type="datetimeFigureOut">
               <a:rPr lang="en-US" dirty="0"/>
-              <a:t>5/20/2023</a:t>
+              <a:t>5/21/2023</a:t>
             </a:fld>
             <a:endParaRPr lang="en-US" dirty="0"/>
           </a:p>
@@ -1899,7 +1896,7 @@
           <a:p>
             <a:fld id="{96DFF08F-DC6B-4601-B491-B0F83F6DD2DA}" type="datetimeFigureOut">
               <a:rPr lang="en-US" dirty="0"/>
-              <a:t>5/20/2023</a:t>
+              <a:t>5/21/2023</a:t>
             </a:fld>
             <a:endParaRPr lang="en-US" dirty="0"/>
           </a:p>
@@ -2012,7 +2009,7 @@
           <a:p>
             <a:fld id="{96DFF08F-DC6B-4601-B491-B0F83F6DD2DA}" type="datetimeFigureOut">
               <a:rPr lang="en-US" dirty="0"/>
-              <a:t>5/20/2023</a:t>
+              <a:t>5/21/2023</a:t>
             </a:fld>
             <a:endParaRPr lang="en-US" dirty="0"/>
           </a:p>
@@ -2102,7 +2099,7 @@
           <a:p>
             <a:fld id="{96DFF08F-DC6B-4601-B491-B0F83F6DD2DA}" type="datetimeFigureOut">
               <a:rPr lang="en-US" dirty="0"/>
-              <a:t>5/20/2023</a:t>
+              <a:t>5/21/2023</a:t>
             </a:fld>
             <a:endParaRPr lang="en-US" dirty="0"/>
           </a:p>
@@ -2387,7 +2384,7 @@
           <a:p>
             <a:fld id="{96DFF08F-DC6B-4601-B491-B0F83F6DD2DA}" type="datetimeFigureOut">
               <a:rPr lang="en-US" dirty="0"/>
-              <a:t>5/20/2023</a:t>
+              <a:t>5/21/2023</a:t>
             </a:fld>
             <a:endParaRPr lang="en-US" dirty="0"/>
           </a:p>
@@ -2654,7 +2651,7 @@
           <a:p>
             <a:fld id="{96DFF08F-DC6B-4601-B491-B0F83F6DD2DA}" type="datetimeFigureOut">
               <a:rPr lang="en-US" dirty="0"/>
-              <a:t>5/20/2023</a:t>
+              <a:t>5/21/2023</a:t>
             </a:fld>
             <a:endParaRPr lang="en-US" dirty="0"/>
           </a:p>
@@ -2904,7 +2901,7 @@
             <a:fld id="{96DFF08F-DC6B-4601-B491-B0F83F6DD2DA}" type="datetimeFigureOut">
               <a:rPr lang="en-US" dirty="0"/>
               <a:pPr/>
-              <a:t>5/20/2023</a:t>
+              <a:t>5/21/2023</a:t>
             </a:fld>
             <a:endParaRPr lang="en-US" dirty="0"/>
           </a:p>
@@ -3736,155 +3733,170 @@
           </a:prstGeom>
         </p:spPr>
       </p:pic>
+      <p:sp>
+        <p:nvSpPr>
+          <p:cNvPr id="3" name="화살표: 오른쪽으로 구부러짐 2">
+            <a:extLst>
+              <a:ext uri="{FF2B5EF4-FFF2-40B4-BE49-F238E27FC236}">
+                <a16:creationId xmlns:a16="http://schemas.microsoft.com/office/drawing/2014/main" id="{A444C0DE-FAB5-A41B-CCCA-7BF70522F4FC}"/>
+              </a:ext>
+            </a:extLst>
+          </p:cNvPr>
+          <p:cNvSpPr/>
+          <p:nvPr/>
+        </p:nvSpPr>
+        <p:spPr>
+          <a:xfrm>
+            <a:off x="7295949" y="1686103"/>
+            <a:ext cx="405307" cy="1001027"/>
+          </a:xfrm>
+          <a:prstGeom prst="curvedRightArrow">
+            <a:avLst/>
+          </a:prstGeom>
+        </p:spPr>
+        <p:style>
+          <a:lnRef idx="2">
+            <a:schemeClr val="accent1">
+              <a:shade val="50000"/>
+            </a:schemeClr>
+          </a:lnRef>
+          <a:fillRef idx="1">
+            <a:schemeClr val="accent1"/>
+          </a:fillRef>
+          <a:effectRef idx="0">
+            <a:schemeClr val="accent1"/>
+          </a:effectRef>
+          <a:fontRef idx="minor">
+            <a:schemeClr val="lt1"/>
+          </a:fontRef>
+        </p:style>
+        <p:txBody>
+          <a:bodyPr rtlCol="0" anchor="ctr"/>
+          <a:lstStyle/>
+          <a:p>
+            <a:pPr algn="ctr"/>
+            <a:endParaRPr lang="ko-KR" altLang="en-US">
+              <a:solidFill>
+                <a:schemeClr val="tx1"/>
+              </a:solidFill>
+            </a:endParaRPr>
+          </a:p>
+        </p:txBody>
+      </p:sp>
+      <p:sp>
+        <p:nvSpPr>
+          <p:cNvPr id="5" name="화살표: 오른쪽으로 구부러짐 4">
+            <a:extLst>
+              <a:ext uri="{FF2B5EF4-FFF2-40B4-BE49-F238E27FC236}">
+                <a16:creationId xmlns:a16="http://schemas.microsoft.com/office/drawing/2014/main" id="{40C791DA-1EC1-3797-EE10-27F4D9FE6EEF}"/>
+              </a:ext>
+            </a:extLst>
+          </p:cNvPr>
+          <p:cNvSpPr/>
+          <p:nvPr/>
+        </p:nvSpPr>
+        <p:spPr>
+          <a:xfrm>
+            <a:off x="7295949" y="3670357"/>
+            <a:ext cx="405307" cy="1001027"/>
+          </a:xfrm>
+          <a:prstGeom prst="curvedRightArrow">
+            <a:avLst/>
+          </a:prstGeom>
+        </p:spPr>
+        <p:style>
+          <a:lnRef idx="2">
+            <a:schemeClr val="accent1">
+              <a:shade val="50000"/>
+            </a:schemeClr>
+          </a:lnRef>
+          <a:fillRef idx="1">
+            <a:schemeClr val="accent1"/>
+          </a:fillRef>
+          <a:effectRef idx="0">
+            <a:schemeClr val="accent1"/>
+          </a:effectRef>
+          <a:fontRef idx="minor">
+            <a:schemeClr val="lt1"/>
+          </a:fontRef>
+        </p:style>
+        <p:txBody>
+          <a:bodyPr rtlCol="0" anchor="ctr"/>
+          <a:lstStyle/>
+          <a:p>
+            <a:pPr algn="ctr"/>
+            <a:endParaRPr lang="ko-KR" altLang="en-US">
+              <a:solidFill>
+                <a:schemeClr val="tx1"/>
+              </a:solidFill>
+            </a:endParaRPr>
+          </a:p>
+        </p:txBody>
+      </p:sp>
+      <p:sp>
+        <p:nvSpPr>
+          <p:cNvPr id="7" name="TextBox 6">
+            <a:extLst>
+              <a:ext uri="{FF2B5EF4-FFF2-40B4-BE49-F238E27FC236}">
+                <a16:creationId xmlns:a16="http://schemas.microsoft.com/office/drawing/2014/main" id="{012D012E-9FE0-5475-A838-0478434AF032}"/>
+              </a:ext>
+            </a:extLst>
+          </p:cNvPr>
+          <p:cNvSpPr txBox="1"/>
+          <p:nvPr/>
+        </p:nvSpPr>
+        <p:spPr>
+          <a:xfrm>
+            <a:off x="5869053" y="1888188"/>
+            <a:ext cx="1442092" cy="523220"/>
+          </a:xfrm>
+          <a:prstGeom prst="rect">
+            <a:avLst/>
+          </a:prstGeom>
+          <a:noFill/>
+        </p:spPr>
+        <p:txBody>
+          <a:bodyPr wrap="square" rtlCol="0">
+            <a:spAutoFit/>
+          </a:bodyPr>
+          <a:lstStyle/>
+          <a:p>
+            <a:r>
+              <a:rPr lang="en-US" altLang="ko-KR" sz="2800" dirty="0">
+                <a:solidFill>
+                  <a:schemeClr val="accent1"/>
+                </a:solidFill>
+              </a:rPr>
+              <a:t>&lt; </a:t>
+            </a:r>
+            <a:r>
+              <a:rPr lang="ko-KR" altLang="en-US" sz="2800" dirty="0">
+                <a:solidFill>
+                  <a:schemeClr val="accent1"/>
+                </a:solidFill>
+              </a:rPr>
+              <a:t>결과 </a:t>
+            </a:r>
+            <a:r>
+              <a:rPr lang="en-US" altLang="ko-KR" sz="2800" dirty="0">
+                <a:solidFill>
+                  <a:schemeClr val="accent1"/>
+                </a:solidFill>
+              </a:rPr>
+              <a:t>&gt;</a:t>
+            </a:r>
+            <a:endParaRPr lang="ko-KR" altLang="en-US" sz="2800" dirty="0">
+              <a:solidFill>
+                <a:schemeClr val="accent1"/>
+              </a:solidFill>
+            </a:endParaRPr>
+          </a:p>
+        </p:txBody>
+      </p:sp>
     </p:spTree>
     <p:extLst>
       <p:ext uri="{BB962C8B-B14F-4D97-AF65-F5344CB8AC3E}">
         <p14:creationId xmlns:p14="http://schemas.microsoft.com/office/powerpoint/2010/main" val="1031179329"/>
-      </p:ext>
-    </p:extLst>
-  </p:cSld>
-  <p:clrMapOvr>
-    <a:masterClrMapping/>
-  </p:clrMapOvr>
-</p:sld>
-</file>
-
-<file path=ppt/slides/slide11.xml><?xml version="1.0" encoding="utf-8"?>
-<p:sld xmlns:a="http://schemas.openxmlformats.org/drawingml/2006/main" xmlns:r="http://schemas.openxmlformats.org/officeDocument/2006/relationships" xmlns:p="http://schemas.openxmlformats.org/presentationml/2006/main">
-  <p:cSld>
-    <p:spTree>
-      <p:nvGrpSpPr>
-        <p:cNvPr id="1" name=""/>
-        <p:cNvGrpSpPr/>
-        <p:nvPr/>
-      </p:nvGrpSpPr>
-      <p:grpSpPr>
-        <a:xfrm>
-          <a:off x="0" y="0"/>
-          <a:ext cx="0" cy="0"/>
-          <a:chOff x="0" y="0"/>
-          <a:chExt cx="0" cy="0"/>
-        </a:xfrm>
-      </p:grpSpPr>
-      <p:sp>
-        <p:nvSpPr>
-          <p:cNvPr id="2" name="TextBox 1"/>
-          <p:cNvSpPr txBox="1"/>
-          <p:nvPr/>
-        </p:nvSpPr>
-        <p:spPr>
-          <a:xfrm>
-            <a:off x="2084438" y="2664543"/>
-            <a:ext cx="8062452" cy="830997"/>
-          </a:xfrm>
-          <a:prstGeom prst="rect">
-            <a:avLst/>
-          </a:prstGeom>
-          <a:noFill/>
-        </p:spPr>
-        <p:txBody>
-          <a:bodyPr wrap="square" rtlCol="0">
-            <a:spAutoFit/>
-          </a:bodyPr>
-          <a:lstStyle/>
-          <a:p>
-            <a:pPr algn="ctr"/>
-            <a:r>
-              <a:rPr lang="en-US" altLang="ko-KR" sz="4800" b="1" dirty="0">
-                <a:solidFill>
-                  <a:schemeClr val="accent1"/>
-                </a:solidFill>
-              </a:rPr>
-              <a:t>&lt; </a:t>
-            </a:r>
-            <a:r>
-              <a:rPr lang="ko-KR" altLang="en-US" sz="4800" b="1" dirty="0">
-                <a:solidFill>
-                  <a:schemeClr val="accent1"/>
-                </a:solidFill>
-              </a:rPr>
-              <a:t>노트필기 정리하기 </a:t>
-            </a:r>
-            <a:r>
-              <a:rPr lang="en-US" altLang="ko-KR" sz="4800" b="1" dirty="0">
-                <a:solidFill>
-                  <a:schemeClr val="accent1"/>
-                </a:solidFill>
-              </a:rPr>
-              <a:t>&gt;</a:t>
-            </a:r>
-            <a:endParaRPr lang="ko-KR" altLang="en-US" sz="4800" b="1" dirty="0">
-              <a:solidFill>
-                <a:schemeClr val="accent1"/>
-              </a:solidFill>
-            </a:endParaRPr>
-          </a:p>
-        </p:txBody>
-      </p:sp>
-    </p:spTree>
-    <p:extLst>
-      <p:ext uri="{BB962C8B-B14F-4D97-AF65-F5344CB8AC3E}">
-        <p14:creationId xmlns:p14="http://schemas.microsoft.com/office/powerpoint/2010/main" val="1735865810"/>
-      </p:ext>
-    </p:extLst>
-  </p:cSld>
-  <p:clrMapOvr>
-    <a:masterClrMapping/>
-  </p:clrMapOvr>
-</p:sld>
-</file>
-
-<file path=ppt/slides/slide12.xml><?xml version="1.0" encoding="utf-8"?>
-<p:sld xmlns:a="http://schemas.openxmlformats.org/drawingml/2006/main" xmlns:r="http://schemas.openxmlformats.org/officeDocument/2006/relationships" xmlns:p="http://schemas.openxmlformats.org/presentationml/2006/main">
-  <p:cSld>
-    <p:spTree>
-      <p:nvGrpSpPr>
-        <p:cNvPr id="1" name=""/>
-        <p:cNvGrpSpPr/>
-        <p:nvPr/>
-      </p:nvGrpSpPr>
-      <p:grpSpPr>
-        <a:xfrm>
-          <a:off x="0" y="0"/>
-          <a:ext cx="0" cy="0"/>
-          <a:chOff x="0" y="0"/>
-          <a:chExt cx="0" cy="0"/>
-        </a:xfrm>
-      </p:grpSpPr>
-    </p:spTree>
-    <p:extLst>
-      <p:ext uri="{BB962C8B-B14F-4D97-AF65-F5344CB8AC3E}">
-        <p14:creationId xmlns:p14="http://schemas.microsoft.com/office/powerpoint/2010/main" val="196054215"/>
-      </p:ext>
-    </p:extLst>
-  </p:cSld>
-  <p:clrMapOvr>
-    <a:masterClrMapping/>
-  </p:clrMapOvr>
-</p:sld>
-</file>
-
-<file path=ppt/slides/slide13.xml><?xml version="1.0" encoding="utf-8"?>
-<p:sld xmlns:a="http://schemas.openxmlformats.org/drawingml/2006/main" xmlns:r="http://schemas.openxmlformats.org/officeDocument/2006/relationships" xmlns:p="http://schemas.openxmlformats.org/presentationml/2006/main">
-  <p:cSld>
-    <p:spTree>
-      <p:nvGrpSpPr>
-        <p:cNvPr id="1" name=""/>
-        <p:cNvGrpSpPr/>
-        <p:nvPr/>
-      </p:nvGrpSpPr>
-      <p:grpSpPr>
-        <a:xfrm>
-          <a:off x="0" y="0"/>
-          <a:ext cx="0" cy="0"/>
-          <a:chOff x="0" y="0"/>
-          <a:chExt cx="0" cy="0"/>
-        </a:xfrm>
-      </p:grpSpPr>
-    </p:spTree>
-    <p:extLst>
-      <p:ext uri="{BB962C8B-B14F-4D97-AF65-F5344CB8AC3E}">
-        <p14:creationId xmlns:p14="http://schemas.microsoft.com/office/powerpoint/2010/main" val="3107886752"/>
       </p:ext>
     </p:extLst>
   </p:cSld>
@@ -4351,6 +4363,112 @@
           </a:prstGeom>
         </p:spPr>
       </p:pic>
+      <p:sp>
+        <p:nvSpPr>
+          <p:cNvPr id="3" name="화살표: 오른쪽 2">
+            <a:extLst>
+              <a:ext uri="{FF2B5EF4-FFF2-40B4-BE49-F238E27FC236}">
+                <a16:creationId xmlns:a16="http://schemas.microsoft.com/office/drawing/2014/main" id="{5F46D10A-AEFB-C08C-F009-C76E5C32C589}"/>
+              </a:ext>
+            </a:extLst>
+          </p:cNvPr>
+          <p:cNvSpPr/>
+          <p:nvPr/>
+        </p:nvSpPr>
+        <p:spPr>
+          <a:xfrm>
+            <a:off x="5190419" y="5820396"/>
+            <a:ext cx="1335428" cy="666891"/>
+          </a:xfrm>
+          <a:prstGeom prst="rightArrow">
+            <a:avLst/>
+          </a:prstGeom>
+        </p:spPr>
+        <p:style>
+          <a:lnRef idx="2">
+            <a:schemeClr val="accent1">
+              <a:shade val="50000"/>
+            </a:schemeClr>
+          </a:lnRef>
+          <a:fillRef idx="1">
+            <a:schemeClr val="accent1"/>
+          </a:fillRef>
+          <a:effectRef idx="0">
+            <a:schemeClr val="accent1"/>
+          </a:effectRef>
+          <a:fontRef idx="minor">
+            <a:schemeClr val="lt1"/>
+          </a:fontRef>
+        </p:style>
+        <p:txBody>
+          <a:bodyPr rtlCol="0" anchor="ctr"/>
+          <a:lstStyle/>
+          <a:p>
+            <a:pPr algn="ctr"/>
+            <a:endParaRPr lang="ko-KR" altLang="en-US"/>
+          </a:p>
+        </p:txBody>
+      </p:sp>
+      <p:sp>
+        <p:nvSpPr>
+          <p:cNvPr id="4" name="TextBox 3">
+            <a:extLst>
+              <a:ext uri="{FF2B5EF4-FFF2-40B4-BE49-F238E27FC236}">
+                <a16:creationId xmlns:a16="http://schemas.microsoft.com/office/drawing/2014/main" id="{6215690D-0311-7CF3-12F2-BCBF28FE0859}"/>
+              </a:ext>
+            </a:extLst>
+          </p:cNvPr>
+          <p:cNvSpPr txBox="1"/>
+          <p:nvPr/>
+        </p:nvSpPr>
+        <p:spPr>
+          <a:xfrm>
+            <a:off x="5083755" y="5031910"/>
+            <a:ext cx="1442092" cy="523220"/>
+          </a:xfrm>
+          <a:prstGeom prst="rect">
+            <a:avLst/>
+          </a:prstGeom>
+          <a:noFill/>
+        </p:spPr>
+        <p:txBody>
+          <a:bodyPr wrap="square" rtlCol="0">
+            <a:spAutoFit/>
+          </a:bodyPr>
+          <a:lstStyle/>
+          <a:p>
+            <a:r>
+              <a:rPr lang="en-US" altLang="ko-KR" sz="2800" dirty="0">
+                <a:solidFill>
+                  <a:schemeClr val="accent1"/>
+                </a:solidFill>
+              </a:rPr>
+              <a:t>&lt; </a:t>
+            </a:r>
+            <a:r>
+              <a:rPr lang="ko-KR" altLang="en-US" sz="2800" dirty="0">
+                <a:solidFill>
+                  <a:schemeClr val="accent1"/>
+                </a:solidFill>
+              </a:rPr>
+              <a:t>결과 </a:t>
+            </a:r>
+            <a:r>
+              <a:rPr lang="en-US" altLang="ko-KR" sz="2800" dirty="0">
+                <a:solidFill>
+                  <a:schemeClr val="accent1"/>
+                </a:solidFill>
+              </a:rPr>
+              <a:t>&gt;</a:t>
+            </a:r>
+            <a:endParaRPr lang="ko-KR" altLang="en-US" sz="2800" dirty="0">
+              <a:solidFill>
+                <a:schemeClr val="accent1"/>
+              </a:solidFill>
+            </a:endParaRPr>
+          </a:p>
+        </p:txBody>
+      </p:sp>
     </p:spTree>
     <p:extLst>
       <p:ext uri="{BB962C8B-B14F-4D97-AF65-F5344CB8AC3E}">
@@ -4500,6 +4618,112 @@
           </a:prstGeom>
         </p:spPr>
       </p:pic>
+      <p:sp>
+        <p:nvSpPr>
+          <p:cNvPr id="3" name="화살표: 오른쪽 2">
+            <a:extLst>
+              <a:ext uri="{FF2B5EF4-FFF2-40B4-BE49-F238E27FC236}">
+                <a16:creationId xmlns:a16="http://schemas.microsoft.com/office/drawing/2014/main" id="{E6BF90EF-B24E-4B15-3658-5C20494021A2}"/>
+              </a:ext>
+            </a:extLst>
+          </p:cNvPr>
+          <p:cNvSpPr/>
+          <p:nvPr/>
+        </p:nvSpPr>
+        <p:spPr>
+          <a:xfrm>
+            <a:off x="5050190" y="5885848"/>
+            <a:ext cx="1335428" cy="666891"/>
+          </a:xfrm>
+          <a:prstGeom prst="rightArrow">
+            <a:avLst/>
+          </a:prstGeom>
+        </p:spPr>
+        <p:style>
+          <a:lnRef idx="2">
+            <a:schemeClr val="accent1">
+              <a:shade val="50000"/>
+            </a:schemeClr>
+          </a:lnRef>
+          <a:fillRef idx="1">
+            <a:schemeClr val="accent1"/>
+          </a:fillRef>
+          <a:effectRef idx="0">
+            <a:schemeClr val="accent1"/>
+          </a:effectRef>
+          <a:fontRef idx="minor">
+            <a:schemeClr val="lt1"/>
+          </a:fontRef>
+        </p:style>
+        <p:txBody>
+          <a:bodyPr rtlCol="0" anchor="ctr"/>
+          <a:lstStyle/>
+          <a:p>
+            <a:pPr algn="ctr"/>
+            <a:endParaRPr lang="ko-KR" altLang="en-US"/>
+          </a:p>
+        </p:txBody>
+      </p:sp>
+      <p:sp>
+        <p:nvSpPr>
+          <p:cNvPr id="5" name="TextBox 4">
+            <a:extLst>
+              <a:ext uri="{FF2B5EF4-FFF2-40B4-BE49-F238E27FC236}">
+                <a16:creationId xmlns:a16="http://schemas.microsoft.com/office/drawing/2014/main" id="{63C5DA49-B0D6-F003-05B0-46B27FB70DD5}"/>
+              </a:ext>
+            </a:extLst>
+          </p:cNvPr>
+          <p:cNvSpPr txBox="1"/>
+          <p:nvPr/>
+        </p:nvSpPr>
+        <p:spPr>
+          <a:xfrm>
+            <a:off x="7727990" y="4570925"/>
+            <a:ext cx="1442092" cy="523220"/>
+          </a:xfrm>
+          <a:prstGeom prst="rect">
+            <a:avLst/>
+          </a:prstGeom>
+          <a:noFill/>
+        </p:spPr>
+        <p:txBody>
+          <a:bodyPr wrap="square" rtlCol="0">
+            <a:spAutoFit/>
+          </a:bodyPr>
+          <a:lstStyle/>
+          <a:p>
+            <a:r>
+              <a:rPr lang="en-US" altLang="ko-KR" sz="2800" dirty="0">
+                <a:solidFill>
+                  <a:schemeClr val="accent1"/>
+                </a:solidFill>
+              </a:rPr>
+              <a:t>&lt; </a:t>
+            </a:r>
+            <a:r>
+              <a:rPr lang="ko-KR" altLang="en-US" sz="2800" dirty="0">
+                <a:solidFill>
+                  <a:schemeClr val="accent1"/>
+                </a:solidFill>
+              </a:rPr>
+              <a:t>결과 </a:t>
+            </a:r>
+            <a:r>
+              <a:rPr lang="en-US" altLang="ko-KR" sz="2800" dirty="0">
+                <a:solidFill>
+                  <a:schemeClr val="accent1"/>
+                </a:solidFill>
+              </a:rPr>
+              <a:t>&gt;</a:t>
+            </a:r>
+            <a:endParaRPr lang="ko-KR" altLang="en-US" sz="2800" dirty="0">
+              <a:solidFill>
+                <a:schemeClr val="accent1"/>
+              </a:solidFill>
+            </a:endParaRPr>
+          </a:p>
+        </p:txBody>
+      </p:sp>
     </p:spTree>
     <p:extLst>
       <p:ext uri="{BB962C8B-B14F-4D97-AF65-F5344CB8AC3E}">
@@ -4655,6 +4879,112 @@
           </a:prstGeom>
         </p:spPr>
       </p:pic>
+      <p:sp>
+        <p:nvSpPr>
+          <p:cNvPr id="3" name="화살표: 오른쪽 2">
+            <a:extLst>
+              <a:ext uri="{FF2B5EF4-FFF2-40B4-BE49-F238E27FC236}">
+                <a16:creationId xmlns:a16="http://schemas.microsoft.com/office/drawing/2014/main" id="{C8A01C87-41DD-1AE4-9D72-0673282410CA}"/>
+              </a:ext>
+            </a:extLst>
+          </p:cNvPr>
+          <p:cNvSpPr/>
+          <p:nvPr/>
+        </p:nvSpPr>
+        <p:spPr>
+          <a:xfrm>
+            <a:off x="4834284" y="5817305"/>
+            <a:ext cx="1335428" cy="666891"/>
+          </a:xfrm>
+          <a:prstGeom prst="rightArrow">
+            <a:avLst/>
+          </a:prstGeom>
+        </p:spPr>
+        <p:style>
+          <a:lnRef idx="2">
+            <a:schemeClr val="accent1">
+              <a:shade val="50000"/>
+            </a:schemeClr>
+          </a:lnRef>
+          <a:fillRef idx="1">
+            <a:schemeClr val="accent1"/>
+          </a:fillRef>
+          <a:effectRef idx="0">
+            <a:schemeClr val="accent1"/>
+          </a:effectRef>
+          <a:fontRef idx="minor">
+            <a:schemeClr val="lt1"/>
+          </a:fontRef>
+        </p:style>
+        <p:txBody>
+          <a:bodyPr rtlCol="0" anchor="ctr"/>
+          <a:lstStyle/>
+          <a:p>
+            <a:pPr algn="ctr"/>
+            <a:endParaRPr lang="ko-KR" altLang="en-US"/>
+          </a:p>
+        </p:txBody>
+      </p:sp>
+      <p:sp>
+        <p:nvSpPr>
+          <p:cNvPr id="5" name="TextBox 4">
+            <a:extLst>
+              <a:ext uri="{FF2B5EF4-FFF2-40B4-BE49-F238E27FC236}">
+                <a16:creationId xmlns:a16="http://schemas.microsoft.com/office/drawing/2014/main" id="{8BF1BE09-3647-D525-8763-A5DFDE432F6B}"/>
+              </a:ext>
+            </a:extLst>
+          </p:cNvPr>
+          <p:cNvSpPr txBox="1"/>
+          <p:nvPr/>
+        </p:nvSpPr>
+        <p:spPr>
+          <a:xfrm>
+            <a:off x="7592645" y="4469229"/>
+            <a:ext cx="1442092" cy="523220"/>
+          </a:xfrm>
+          <a:prstGeom prst="rect">
+            <a:avLst/>
+          </a:prstGeom>
+          <a:noFill/>
+        </p:spPr>
+        <p:txBody>
+          <a:bodyPr wrap="square" rtlCol="0">
+            <a:spAutoFit/>
+          </a:bodyPr>
+          <a:lstStyle/>
+          <a:p>
+            <a:r>
+              <a:rPr lang="en-US" altLang="ko-KR" sz="2800" dirty="0">
+                <a:solidFill>
+                  <a:schemeClr val="accent1"/>
+                </a:solidFill>
+              </a:rPr>
+              <a:t>&lt; </a:t>
+            </a:r>
+            <a:r>
+              <a:rPr lang="ko-KR" altLang="en-US" sz="2800" dirty="0">
+                <a:solidFill>
+                  <a:schemeClr val="accent1"/>
+                </a:solidFill>
+              </a:rPr>
+              <a:t>결과 </a:t>
+            </a:r>
+            <a:r>
+              <a:rPr lang="en-US" altLang="ko-KR" sz="2800" dirty="0">
+                <a:solidFill>
+                  <a:schemeClr val="accent1"/>
+                </a:solidFill>
+              </a:rPr>
+              <a:t>&gt;</a:t>
+            </a:r>
+            <a:endParaRPr lang="ko-KR" altLang="en-US" sz="2800" dirty="0">
+              <a:solidFill>
+                <a:schemeClr val="accent1"/>
+              </a:solidFill>
+            </a:endParaRPr>
+          </a:p>
+        </p:txBody>
+      </p:sp>
     </p:spTree>
     <p:extLst>
       <p:ext uri="{BB962C8B-B14F-4D97-AF65-F5344CB8AC3E}">
@@ -4798,6 +5128,112 @@
           </a:prstGeom>
         </p:spPr>
       </p:pic>
+      <p:sp>
+        <p:nvSpPr>
+          <p:cNvPr id="3" name="화살표: 오른쪽 2">
+            <a:extLst>
+              <a:ext uri="{FF2B5EF4-FFF2-40B4-BE49-F238E27FC236}">
+                <a16:creationId xmlns:a16="http://schemas.microsoft.com/office/drawing/2014/main" id="{B54083E0-AD26-F550-F235-63DD0B0B80C5}"/>
+              </a:ext>
+            </a:extLst>
+          </p:cNvPr>
+          <p:cNvSpPr/>
+          <p:nvPr/>
+        </p:nvSpPr>
+        <p:spPr>
+          <a:xfrm>
+            <a:off x="6096000" y="5825613"/>
+            <a:ext cx="1335428" cy="666891"/>
+          </a:xfrm>
+          <a:prstGeom prst="rightArrow">
+            <a:avLst/>
+          </a:prstGeom>
+        </p:spPr>
+        <p:style>
+          <a:lnRef idx="2">
+            <a:schemeClr val="accent1">
+              <a:shade val="50000"/>
+            </a:schemeClr>
+          </a:lnRef>
+          <a:fillRef idx="1">
+            <a:schemeClr val="accent1"/>
+          </a:fillRef>
+          <a:effectRef idx="0">
+            <a:schemeClr val="accent1"/>
+          </a:effectRef>
+          <a:fontRef idx="minor">
+            <a:schemeClr val="lt1"/>
+          </a:fontRef>
+        </p:style>
+        <p:txBody>
+          <a:bodyPr rtlCol="0" anchor="ctr"/>
+          <a:lstStyle/>
+          <a:p>
+            <a:pPr algn="ctr"/>
+            <a:endParaRPr lang="ko-KR" altLang="en-US"/>
+          </a:p>
+        </p:txBody>
+      </p:sp>
+      <p:sp>
+        <p:nvSpPr>
+          <p:cNvPr id="5" name="TextBox 4">
+            <a:extLst>
+              <a:ext uri="{FF2B5EF4-FFF2-40B4-BE49-F238E27FC236}">
+                <a16:creationId xmlns:a16="http://schemas.microsoft.com/office/drawing/2014/main" id="{081FB1AB-2C2F-185E-EABB-15E11F95167E}"/>
+              </a:ext>
+            </a:extLst>
+          </p:cNvPr>
+          <p:cNvSpPr txBox="1"/>
+          <p:nvPr/>
+        </p:nvSpPr>
+        <p:spPr>
+          <a:xfrm>
+            <a:off x="8710072" y="4402225"/>
+            <a:ext cx="1442092" cy="523220"/>
+          </a:xfrm>
+          <a:prstGeom prst="rect">
+            <a:avLst/>
+          </a:prstGeom>
+          <a:noFill/>
+        </p:spPr>
+        <p:txBody>
+          <a:bodyPr wrap="square" rtlCol="0">
+            <a:spAutoFit/>
+          </a:bodyPr>
+          <a:lstStyle/>
+          <a:p>
+            <a:r>
+              <a:rPr lang="en-US" altLang="ko-KR" sz="2800" dirty="0">
+                <a:solidFill>
+                  <a:schemeClr val="accent1"/>
+                </a:solidFill>
+              </a:rPr>
+              <a:t>&lt; </a:t>
+            </a:r>
+            <a:r>
+              <a:rPr lang="ko-KR" altLang="en-US" sz="2800" dirty="0">
+                <a:solidFill>
+                  <a:schemeClr val="accent1"/>
+                </a:solidFill>
+              </a:rPr>
+              <a:t>결과 </a:t>
+            </a:r>
+            <a:r>
+              <a:rPr lang="en-US" altLang="ko-KR" sz="2800" dirty="0">
+                <a:solidFill>
+                  <a:schemeClr val="accent1"/>
+                </a:solidFill>
+              </a:rPr>
+              <a:t>&gt;</a:t>
+            </a:r>
+            <a:endParaRPr lang="ko-KR" altLang="en-US" sz="2800" dirty="0">
+              <a:solidFill>
+                <a:schemeClr val="accent1"/>
+              </a:solidFill>
+            </a:endParaRPr>
+          </a:p>
+        </p:txBody>
+      </p:sp>
     </p:spTree>
     <p:extLst>
       <p:ext uri="{BB962C8B-B14F-4D97-AF65-F5344CB8AC3E}">
@@ -5005,6 +5441,66 @@
           </a:p>
         </p:txBody>
       </p:sp>
+      <p:sp>
+        <p:nvSpPr>
+          <p:cNvPr id="3" name="TextBox 2">
+            <a:extLst>
+              <a:ext uri="{FF2B5EF4-FFF2-40B4-BE49-F238E27FC236}">
+                <a16:creationId xmlns:a16="http://schemas.microsoft.com/office/drawing/2014/main" id="{2913B9F8-1E11-2DC1-F881-5D5CA6B39468}"/>
+              </a:ext>
+            </a:extLst>
+          </p:cNvPr>
+          <p:cNvSpPr txBox="1"/>
+          <p:nvPr/>
+        </p:nvSpPr>
+        <p:spPr>
+          <a:xfrm>
+            <a:off x="9171390" y="754075"/>
+            <a:ext cx="1442092" cy="523220"/>
+          </a:xfrm>
+          <a:prstGeom prst="rect">
+            <a:avLst/>
+          </a:prstGeom>
+          <a:noFill/>
+        </p:spPr>
+        <p:txBody>
+          <a:bodyPr wrap="square" rtlCol="0">
+            <a:spAutoFit/>
+          </a:bodyPr>
+          <a:lstStyle/>
+          <a:p>
+            <a:r>
+              <a:rPr lang="en-US" altLang="ko-KR" sz="2800" dirty="0">
+                <a:solidFill>
+                  <a:schemeClr val="accent1"/>
+                </a:solidFill>
+              </a:rPr>
+              <a:t>&lt; </a:t>
+            </a:r>
+            <a:r>
+              <a:rPr lang="ko-KR" altLang="en-US" sz="2800" dirty="0">
+                <a:solidFill>
+                  <a:schemeClr val="accent1"/>
+                </a:solidFill>
+              </a:rPr>
+              <a:t>결과 </a:t>
+            </a:r>
+            <a:r>
+              <a:rPr lang="en-US" altLang="ko-KR" sz="2800" dirty="0">
+                <a:solidFill>
+                  <a:schemeClr val="accent1"/>
+                </a:solidFill>
+              </a:rPr>
+              <a:t>&gt;</a:t>
+            </a:r>
+            <a:endParaRPr lang="ko-KR" altLang="en-US" sz="2800" dirty="0">
+              <a:solidFill>
+                <a:schemeClr val="accent1"/>
+              </a:solidFill>
+            </a:endParaRPr>
+          </a:p>
+        </p:txBody>
+      </p:sp>
     </p:spTree>
     <p:extLst>
       <p:ext uri="{BB962C8B-B14F-4D97-AF65-F5344CB8AC3E}">
@@ -5212,6 +5708,66 @@
           </a:p>
         </p:txBody>
       </p:sp>
+      <p:sp>
+        <p:nvSpPr>
+          <p:cNvPr id="3" name="TextBox 2">
+            <a:extLst>
+              <a:ext uri="{FF2B5EF4-FFF2-40B4-BE49-F238E27FC236}">
+                <a16:creationId xmlns:a16="http://schemas.microsoft.com/office/drawing/2014/main" id="{7807E614-EF22-B3B1-BA5F-908CE9624C69}"/>
+              </a:ext>
+            </a:extLst>
+          </p:cNvPr>
+          <p:cNvSpPr txBox="1"/>
+          <p:nvPr/>
+        </p:nvSpPr>
+        <p:spPr>
+          <a:xfrm>
+            <a:off x="8059742" y="509167"/>
+            <a:ext cx="1442092" cy="523220"/>
+          </a:xfrm>
+          <a:prstGeom prst="rect">
+            <a:avLst/>
+          </a:prstGeom>
+          <a:noFill/>
+        </p:spPr>
+        <p:txBody>
+          <a:bodyPr wrap="square" rtlCol="0">
+            <a:spAutoFit/>
+          </a:bodyPr>
+          <a:lstStyle/>
+          <a:p>
+            <a:r>
+              <a:rPr lang="en-US" altLang="ko-KR" sz="2800" dirty="0">
+                <a:solidFill>
+                  <a:schemeClr val="accent1"/>
+                </a:solidFill>
+              </a:rPr>
+              <a:t>&lt; </a:t>
+            </a:r>
+            <a:r>
+              <a:rPr lang="ko-KR" altLang="en-US" sz="2800" dirty="0">
+                <a:solidFill>
+                  <a:schemeClr val="accent1"/>
+                </a:solidFill>
+              </a:rPr>
+              <a:t>결과 </a:t>
+            </a:r>
+            <a:r>
+              <a:rPr lang="en-US" altLang="ko-KR" sz="2800" dirty="0">
+                <a:solidFill>
+                  <a:schemeClr val="accent1"/>
+                </a:solidFill>
+              </a:rPr>
+              <a:t>&gt;</a:t>
+            </a:r>
+            <a:endParaRPr lang="ko-KR" altLang="en-US" sz="2800" dirty="0">
+              <a:solidFill>
+                <a:schemeClr val="accent1"/>
+              </a:solidFill>
+            </a:endParaRPr>
+          </a:p>
+        </p:txBody>
+      </p:sp>
     </p:spTree>
     <p:extLst>
       <p:ext uri="{BB962C8B-B14F-4D97-AF65-F5344CB8AC3E}">
@@ -5416,6 +5972,66 @@
           <a:p>
             <a:pPr algn="ctr"/>
             <a:endParaRPr lang="ko-KR" altLang="en-US"/>
+          </a:p>
+        </p:txBody>
+      </p:sp>
+      <p:sp>
+        <p:nvSpPr>
+          <p:cNvPr id="3" name="TextBox 2">
+            <a:extLst>
+              <a:ext uri="{FF2B5EF4-FFF2-40B4-BE49-F238E27FC236}">
+                <a16:creationId xmlns:a16="http://schemas.microsoft.com/office/drawing/2014/main" id="{98E9F796-76A8-1C46-FD37-5F8701E34FAF}"/>
+              </a:ext>
+            </a:extLst>
+          </p:cNvPr>
+          <p:cNvSpPr txBox="1"/>
+          <p:nvPr/>
+        </p:nvSpPr>
+        <p:spPr>
+          <a:xfrm>
+            <a:off x="8559232" y="648821"/>
+            <a:ext cx="1442092" cy="523220"/>
+          </a:xfrm>
+          <a:prstGeom prst="rect">
+            <a:avLst/>
+          </a:prstGeom>
+          <a:noFill/>
+        </p:spPr>
+        <p:txBody>
+          <a:bodyPr wrap="square" rtlCol="0">
+            <a:spAutoFit/>
+          </a:bodyPr>
+          <a:lstStyle/>
+          <a:p>
+            <a:r>
+              <a:rPr lang="en-US" altLang="ko-KR" sz="2800" dirty="0">
+                <a:solidFill>
+                  <a:schemeClr val="accent1"/>
+                </a:solidFill>
+              </a:rPr>
+              <a:t>&lt; </a:t>
+            </a:r>
+            <a:r>
+              <a:rPr lang="ko-KR" altLang="en-US" sz="2800" dirty="0">
+                <a:solidFill>
+                  <a:schemeClr val="accent1"/>
+                </a:solidFill>
+              </a:rPr>
+              <a:t>결과 </a:t>
+            </a:r>
+            <a:r>
+              <a:rPr lang="en-US" altLang="ko-KR" sz="2800" dirty="0">
+                <a:solidFill>
+                  <a:schemeClr val="accent1"/>
+                </a:solidFill>
+              </a:rPr>
+              <a:t>&gt;</a:t>
+            </a:r>
+            <a:endParaRPr lang="ko-KR" altLang="en-US" sz="2800" dirty="0">
+              <a:solidFill>
+                <a:schemeClr val="accent1"/>
+              </a:solidFill>
+            </a:endParaRPr>
           </a:p>
         </p:txBody>
       </p:sp>
